--- a/market_slide.pptx
+++ b/market_slide.pptx
@@ -8519,7 +8519,7 @@
           <a:p>
             <a:pPr algn="ctr"/>
             <a:r>
-              <a:rPr lang="en-US" sz="1600" kern="1200" dirty="0">
+              <a:rPr lang="en-US" sz="2000" kern="1200" dirty="0">
                 <a:solidFill>
                   <a:srgbClr val="FFFFFF"/>
                 </a:solidFill>
@@ -8767,7 +8767,7 @@
           <a:p>
             <a:pPr algn="ctr"/>
             <a:r>
-              <a:rPr lang="en-US" sz="2600" kern="1200" dirty="0">
+              <a:rPr lang="en-US" sz="2000" kern="1200" dirty="0">
                 <a:solidFill>
                   <a:srgbClr val="FFFFFF"/>
                 </a:solidFill>
@@ -9015,7 +9015,7 @@
           <a:p>
             <a:pPr algn="ctr"/>
             <a:r>
-              <a:rPr lang="en-US" sz="2600" kern="1200" dirty="0">
+              <a:rPr lang="en-US" sz="2000" kern="1200" dirty="0">
                 <a:solidFill>
                   <a:srgbClr val="FFFFFF"/>
                 </a:solidFill>
@@ -11103,7 +11103,7 @@
           <a:p>
             <a:pPr algn="ctr"/>
             <a:r>
-              <a:rPr lang="en-US" sz="2600" kern="1200" dirty="0">
+              <a:rPr lang="en-US" sz="2000" kern="1200" dirty="0">
                 <a:solidFill>
                   <a:srgbClr val="FFFFFF"/>
                 </a:solidFill>
@@ -11328,7 +11328,7 @@
         </p:nvSpPr>
         <p:spPr>
           <a:xfrm>
-            <a:off x="640080" y="2074363"/>
+            <a:off x="555020" y="2072667"/>
             <a:ext cx="2752354" cy="2709275"/>
           </a:xfrm>
           <a:prstGeom prst="ellipse">
@@ -11351,7 +11351,7 @@
           <a:p>
             <a:pPr algn="ctr"/>
             <a:r>
-              <a:rPr lang="en-US" sz="1400" kern="1200" dirty="0" err="1">
+              <a:rPr lang="en-US" sz="2000" kern="1200" dirty="0" err="1">
                 <a:solidFill>
                   <a:srgbClr val="FFFFFF"/>
                 </a:solidFill>
@@ -11361,7 +11361,7 @@
               </a:rPr>
               <a:t>HomePage</a:t>
             </a:r>
-            <a:endParaRPr lang="en-US" sz="1400" kern="1200" dirty="0">
+            <a:endParaRPr lang="en-US" sz="2000" kern="1200" dirty="0">
               <a:solidFill>
                 <a:srgbClr val="FFFFFF"/>
               </a:solidFill>
@@ -11607,7 +11607,7 @@
           <a:p>
             <a:pPr algn="ctr"/>
             <a:r>
-              <a:rPr lang="en-US" sz="2200" kern="1200" dirty="0">
+              <a:rPr lang="en-US" sz="2000" kern="1200" dirty="0">
                 <a:solidFill>
                   <a:srgbClr val="FFFFFF"/>
                 </a:solidFill>

--- a/market_slide.pptx
+++ b/market_slide.pptx
@@ -5,7 +5,7 @@
     <p:sldMasterId id="2147483648" r:id="rId1"/>
   </p:sldMasterIdLst>
   <p:notesMasterIdLst>
-    <p:notesMasterId r:id="rId16"/>
+    <p:notesMasterId r:id="rId17"/>
   </p:notesMasterIdLst>
   <p:sldIdLst>
     <p:sldId id="256" r:id="rId2"/>
@@ -21,7 +21,8 @@
     <p:sldId id="261" r:id="rId12"/>
     <p:sldId id="262" r:id="rId13"/>
     <p:sldId id="264" r:id="rId14"/>
-    <p:sldId id="266" r:id="rId15"/>
+    <p:sldId id="271" r:id="rId15"/>
+    <p:sldId id="266" r:id="rId16"/>
   </p:sldIdLst>
   <p:sldSz cx="12192000" cy="6858000"/>
   <p:notesSz cx="6858000" cy="9144000"/>
@@ -4762,7 +4763,7 @@
           <a:p>
             <a:fld id="{B581A461-6002-0B46-912B-0FFBF23B9E8B}" type="slidenum">
               <a:rPr lang="en-US" smtClean="0"/>
-              <a:t>14</a:t>
+              <a:t>15</a:t>
             </a:fld>
             <a:endParaRPr lang="en-US"/>
           </a:p>
@@ -8562,6 +8563,284 @@
           </a:prstGeom>
         </p:spPr>
       </p:pic>
+      <p:sp>
+        <p:nvSpPr>
+          <p:cNvPr id="3" name="TextBox 2">
+            <a:extLst>
+              <a:ext uri="{FF2B5EF4-FFF2-40B4-BE49-F238E27FC236}">
+                <a16:creationId xmlns:a16="http://schemas.microsoft.com/office/drawing/2014/main" id="{24AE4789-70AA-2042-9D3A-11857719B0D8}"/>
+              </a:ext>
+            </a:extLst>
+          </p:cNvPr>
+          <p:cNvSpPr txBox="1"/>
+          <p:nvPr/>
+        </p:nvSpPr>
+        <p:spPr>
+          <a:xfrm>
+            <a:off x="8588415" y="2928395"/>
+            <a:ext cx="1122744" cy="646331"/>
+          </a:xfrm>
+          <a:prstGeom prst="rect">
+            <a:avLst/>
+          </a:prstGeom>
+          <a:noFill/>
+        </p:spPr>
+        <p:txBody>
+          <a:bodyPr wrap="square" rtlCol="0">
+            <a:spAutoFit/>
+          </a:bodyPr>
+          <a:lstStyle/>
+          <a:p>
+            <a:r>
+              <a:rPr lang="en-US" dirty="0">
+                <a:solidFill>
+                  <a:srgbClr val="FF0000"/>
+                </a:solidFill>
+              </a:rPr>
+              <a:t>Listing Details</a:t>
+            </a:r>
+          </a:p>
+        </p:txBody>
+      </p:sp>
+      <p:sp>
+        <p:nvSpPr>
+          <p:cNvPr id="4" name="TextBox 3">
+            <a:extLst>
+              <a:ext uri="{FF2B5EF4-FFF2-40B4-BE49-F238E27FC236}">
+                <a16:creationId xmlns:a16="http://schemas.microsoft.com/office/drawing/2014/main" id="{54D87E6E-6D13-1F4A-9DFD-3AFC26E7020B}"/>
+              </a:ext>
+            </a:extLst>
+          </p:cNvPr>
+          <p:cNvSpPr txBox="1"/>
+          <p:nvPr/>
+        </p:nvSpPr>
+        <p:spPr>
+          <a:xfrm>
+            <a:off x="8287473" y="4039565"/>
+            <a:ext cx="1423686" cy="646331"/>
+          </a:xfrm>
+          <a:prstGeom prst="rect">
+            <a:avLst/>
+          </a:prstGeom>
+          <a:noFill/>
+        </p:spPr>
+        <p:txBody>
+          <a:bodyPr wrap="square" rtlCol="0">
+            <a:spAutoFit/>
+          </a:bodyPr>
+          <a:lstStyle/>
+          <a:p>
+            <a:r>
+              <a:rPr lang="en-US" dirty="0">
+                <a:solidFill>
+                  <a:srgbClr val="FF0000"/>
+                </a:solidFill>
+              </a:rPr>
+              <a:t>Card Listing Picture</a:t>
+            </a:r>
+          </a:p>
+        </p:txBody>
+      </p:sp>
+      <p:sp>
+        <p:nvSpPr>
+          <p:cNvPr id="8" name="TextBox 7">
+            <a:extLst>
+              <a:ext uri="{FF2B5EF4-FFF2-40B4-BE49-F238E27FC236}">
+                <a16:creationId xmlns:a16="http://schemas.microsoft.com/office/drawing/2014/main" id="{A163110D-837A-6141-98C9-2D49BFB51A9C}"/>
+              </a:ext>
+            </a:extLst>
+          </p:cNvPr>
+          <p:cNvSpPr txBox="1"/>
+          <p:nvPr/>
+        </p:nvSpPr>
+        <p:spPr>
+          <a:xfrm>
+            <a:off x="4675937" y="2559063"/>
+            <a:ext cx="1297885" cy="369332"/>
+          </a:xfrm>
+          <a:prstGeom prst="rect">
+            <a:avLst/>
+          </a:prstGeom>
+          <a:noFill/>
+        </p:spPr>
+        <p:txBody>
+          <a:bodyPr wrap="square" rtlCol="0">
+            <a:spAutoFit/>
+          </a:bodyPr>
+          <a:lstStyle/>
+          <a:p>
+            <a:r>
+              <a:rPr lang="en-US" dirty="0">
+                <a:solidFill>
+                  <a:srgbClr val="FF0000"/>
+                </a:solidFill>
+              </a:rPr>
+              <a:t>Navbar</a:t>
+            </a:r>
+          </a:p>
+        </p:txBody>
+      </p:sp>
+      <p:sp>
+        <p:nvSpPr>
+          <p:cNvPr id="9" name="TextBox 8">
+            <a:extLst>
+              <a:ext uri="{FF2B5EF4-FFF2-40B4-BE49-F238E27FC236}">
+                <a16:creationId xmlns:a16="http://schemas.microsoft.com/office/drawing/2014/main" id="{87AC418B-8063-C74A-9691-37F7525B239B}"/>
+              </a:ext>
+            </a:extLst>
+          </p:cNvPr>
+          <p:cNvSpPr txBox="1"/>
+          <p:nvPr/>
+        </p:nvSpPr>
+        <p:spPr>
+          <a:xfrm>
+            <a:off x="10563799" y="1534175"/>
+            <a:ext cx="1297885" cy="369332"/>
+          </a:xfrm>
+          <a:prstGeom prst="rect">
+            <a:avLst/>
+          </a:prstGeom>
+          <a:noFill/>
+        </p:spPr>
+        <p:txBody>
+          <a:bodyPr wrap="square" rtlCol="0">
+            <a:spAutoFit/>
+          </a:bodyPr>
+          <a:lstStyle/>
+          <a:p>
+            <a:r>
+              <a:rPr lang="en-US" dirty="0">
+                <a:solidFill>
+                  <a:srgbClr val="FF0000"/>
+                </a:solidFill>
+              </a:rPr>
+              <a:t>User Details</a:t>
+            </a:r>
+          </a:p>
+        </p:txBody>
+      </p:sp>
+      <p:sp>
+        <p:nvSpPr>
+          <p:cNvPr id="10" name="TextBox 9">
+            <a:extLst>
+              <a:ext uri="{FF2B5EF4-FFF2-40B4-BE49-F238E27FC236}">
+                <a16:creationId xmlns:a16="http://schemas.microsoft.com/office/drawing/2014/main" id="{36B195BB-2DA0-314C-B581-138B3880A113}"/>
+              </a:ext>
+            </a:extLst>
+          </p:cNvPr>
+          <p:cNvSpPr txBox="1"/>
+          <p:nvPr/>
+        </p:nvSpPr>
+        <p:spPr>
+          <a:xfrm>
+            <a:off x="4190560" y="1541514"/>
+            <a:ext cx="1134319" cy="369332"/>
+          </a:xfrm>
+          <a:prstGeom prst="rect">
+            <a:avLst/>
+          </a:prstGeom>
+          <a:noFill/>
+        </p:spPr>
+        <p:txBody>
+          <a:bodyPr wrap="square" rtlCol="0">
+            <a:spAutoFit/>
+          </a:bodyPr>
+          <a:lstStyle/>
+          <a:p>
+            <a:r>
+              <a:rPr lang="en-US" dirty="0" err="1">
+                <a:solidFill>
+                  <a:srgbClr val="FF0000"/>
+                </a:solidFill>
+              </a:rPr>
+              <a:t>Searchbar</a:t>
+            </a:r>
+            <a:endParaRPr lang="en-US" dirty="0">
+              <a:solidFill>
+                <a:srgbClr val="FF0000"/>
+              </a:solidFill>
+            </a:endParaRPr>
+          </a:p>
+        </p:txBody>
+      </p:sp>
+      <p:sp>
+        <p:nvSpPr>
+          <p:cNvPr id="5" name="TextBox 4">
+            <a:extLst>
+              <a:ext uri="{FF2B5EF4-FFF2-40B4-BE49-F238E27FC236}">
+                <a16:creationId xmlns:a16="http://schemas.microsoft.com/office/drawing/2014/main" id="{54410193-0F61-DE42-8DC8-1893CF81B577}"/>
+              </a:ext>
+            </a:extLst>
+          </p:cNvPr>
+          <p:cNvSpPr txBox="1"/>
+          <p:nvPr/>
+        </p:nvSpPr>
+        <p:spPr>
+          <a:xfrm>
+            <a:off x="5533984" y="5046563"/>
+            <a:ext cx="1850664" cy="646331"/>
+          </a:xfrm>
+          <a:prstGeom prst="rect">
+            <a:avLst/>
+          </a:prstGeom>
+          <a:noFill/>
+        </p:spPr>
+        <p:txBody>
+          <a:bodyPr wrap="square" rtlCol="0">
+            <a:spAutoFit/>
+          </a:bodyPr>
+          <a:lstStyle/>
+          <a:p>
+            <a:r>
+              <a:rPr lang="en-US" dirty="0">
+                <a:solidFill>
+                  <a:srgbClr val="FF0000"/>
+                </a:solidFill>
+              </a:rPr>
+              <a:t>Buy / List for sale button</a:t>
+            </a:r>
+          </a:p>
+        </p:txBody>
+      </p:sp>
+      <p:sp>
+        <p:nvSpPr>
+          <p:cNvPr id="6" name="TextBox 5">
+            <a:extLst>
+              <a:ext uri="{FF2B5EF4-FFF2-40B4-BE49-F238E27FC236}">
+                <a16:creationId xmlns:a16="http://schemas.microsoft.com/office/drawing/2014/main" id="{33853E4B-82E8-BA41-82AC-22E8095D1331}"/>
+              </a:ext>
+            </a:extLst>
+          </p:cNvPr>
+          <p:cNvSpPr txBox="1"/>
+          <p:nvPr/>
+        </p:nvSpPr>
+        <p:spPr>
+          <a:xfrm>
+            <a:off x="7905509" y="5173884"/>
+            <a:ext cx="914400" cy="369332"/>
+          </a:xfrm>
+          <a:prstGeom prst="rect">
+            <a:avLst/>
+          </a:prstGeom>
+          <a:noFill/>
+        </p:spPr>
+        <p:txBody>
+          <a:bodyPr wrap="square" rtlCol="0">
+            <a:spAutoFit/>
+          </a:bodyPr>
+          <a:lstStyle/>
+          <a:p>
+            <a:r>
+              <a:rPr lang="en-US" dirty="0">
+                <a:solidFill>
+                  <a:srgbClr val="FF0000"/>
+                </a:solidFill>
+              </a:rPr>
+              <a:t>Back</a:t>
+            </a:r>
+          </a:p>
+        </p:txBody>
+      </p:sp>
     </p:spTree>
     <p:extLst>
       <p:ext uri="{BB962C8B-B14F-4D97-AF65-F5344CB8AC3E}">
@@ -8810,6 +9089,245 @@
           </a:prstGeom>
         </p:spPr>
       </p:pic>
+      <p:sp>
+        <p:nvSpPr>
+          <p:cNvPr id="6" name="TextBox 5">
+            <a:extLst>
+              <a:ext uri="{FF2B5EF4-FFF2-40B4-BE49-F238E27FC236}">
+                <a16:creationId xmlns:a16="http://schemas.microsoft.com/office/drawing/2014/main" id="{343E9315-C09E-0949-AF27-67FB9B4DD3E1}"/>
+              </a:ext>
+            </a:extLst>
+          </p:cNvPr>
+          <p:cNvSpPr txBox="1"/>
+          <p:nvPr/>
+        </p:nvSpPr>
+        <p:spPr>
+          <a:xfrm>
+            <a:off x="4386804" y="1539433"/>
+            <a:ext cx="1134319" cy="369332"/>
+          </a:xfrm>
+          <a:prstGeom prst="rect">
+            <a:avLst/>
+          </a:prstGeom>
+          <a:noFill/>
+        </p:spPr>
+        <p:txBody>
+          <a:bodyPr wrap="square" rtlCol="0">
+            <a:spAutoFit/>
+          </a:bodyPr>
+          <a:lstStyle/>
+          <a:p>
+            <a:r>
+              <a:rPr lang="en-US" dirty="0" err="1">
+                <a:solidFill>
+                  <a:srgbClr val="FF0000"/>
+                </a:solidFill>
+              </a:rPr>
+              <a:t>Searchbar</a:t>
+            </a:r>
+            <a:endParaRPr lang="en-US" dirty="0">
+              <a:solidFill>
+                <a:srgbClr val="FF0000"/>
+              </a:solidFill>
+            </a:endParaRPr>
+          </a:p>
+        </p:txBody>
+      </p:sp>
+      <p:sp>
+        <p:nvSpPr>
+          <p:cNvPr id="7" name="TextBox 6">
+            <a:extLst>
+              <a:ext uri="{FF2B5EF4-FFF2-40B4-BE49-F238E27FC236}">
+                <a16:creationId xmlns:a16="http://schemas.microsoft.com/office/drawing/2014/main" id="{BB334805-0D64-AB4B-A607-44C2934DC895}"/>
+              </a:ext>
+            </a:extLst>
+          </p:cNvPr>
+          <p:cNvSpPr txBox="1"/>
+          <p:nvPr/>
+        </p:nvSpPr>
+        <p:spPr>
+          <a:xfrm>
+            <a:off x="5127585" y="3437681"/>
+            <a:ext cx="1192192" cy="369332"/>
+          </a:xfrm>
+          <a:prstGeom prst="rect">
+            <a:avLst/>
+          </a:prstGeom>
+          <a:noFill/>
+        </p:spPr>
+        <p:txBody>
+          <a:bodyPr wrap="square" rtlCol="0">
+            <a:spAutoFit/>
+          </a:bodyPr>
+          <a:lstStyle/>
+          <a:p>
+            <a:r>
+              <a:rPr lang="en-US" dirty="0">
+                <a:solidFill>
+                  <a:srgbClr val="FF0000"/>
+                </a:solidFill>
+              </a:rPr>
+              <a:t>Listing</a:t>
+            </a:r>
+          </a:p>
+        </p:txBody>
+      </p:sp>
+      <p:sp>
+        <p:nvSpPr>
+          <p:cNvPr id="8" name="TextBox 7">
+            <a:extLst>
+              <a:ext uri="{FF2B5EF4-FFF2-40B4-BE49-F238E27FC236}">
+                <a16:creationId xmlns:a16="http://schemas.microsoft.com/office/drawing/2014/main" id="{28D52C9C-B8C0-D14F-81E6-EF2F9001343D}"/>
+              </a:ext>
+            </a:extLst>
+          </p:cNvPr>
+          <p:cNvSpPr txBox="1"/>
+          <p:nvPr/>
+        </p:nvSpPr>
+        <p:spPr>
+          <a:xfrm>
+            <a:off x="6841602" y="3807013"/>
+            <a:ext cx="1134319" cy="369332"/>
+          </a:xfrm>
+          <a:prstGeom prst="rect">
+            <a:avLst/>
+          </a:prstGeom>
+          <a:noFill/>
+        </p:spPr>
+        <p:txBody>
+          <a:bodyPr wrap="square" rtlCol="0">
+            <a:spAutoFit/>
+          </a:bodyPr>
+          <a:lstStyle/>
+          <a:p>
+            <a:r>
+              <a:rPr lang="en-US" dirty="0">
+                <a:solidFill>
+                  <a:srgbClr val="FF0000"/>
+                </a:solidFill>
+              </a:rPr>
+              <a:t>Picture</a:t>
+            </a:r>
+          </a:p>
+        </p:txBody>
+      </p:sp>
+      <p:sp>
+        <p:nvSpPr>
+          <p:cNvPr id="3" name="TextBox 2">
+            <a:extLst>
+              <a:ext uri="{FF2B5EF4-FFF2-40B4-BE49-F238E27FC236}">
+                <a16:creationId xmlns:a16="http://schemas.microsoft.com/office/drawing/2014/main" id="{53EE6565-26D0-3C43-823E-E7964D42B6DC}"/>
+              </a:ext>
+            </a:extLst>
+          </p:cNvPr>
+          <p:cNvSpPr txBox="1"/>
+          <p:nvPr/>
+        </p:nvSpPr>
+        <p:spPr>
+          <a:xfrm>
+            <a:off x="9051402" y="3427305"/>
+            <a:ext cx="1041722" cy="369332"/>
+          </a:xfrm>
+          <a:prstGeom prst="rect">
+            <a:avLst/>
+          </a:prstGeom>
+          <a:noFill/>
+        </p:spPr>
+        <p:txBody>
+          <a:bodyPr wrap="square" rtlCol="0">
+            <a:spAutoFit/>
+          </a:bodyPr>
+          <a:lstStyle/>
+          <a:p>
+            <a:r>
+              <a:rPr lang="en-US" dirty="0">
+                <a:solidFill>
+                  <a:srgbClr val="FF0000"/>
+                </a:solidFill>
+              </a:rPr>
+              <a:t>Destroy</a:t>
+            </a:r>
+          </a:p>
+        </p:txBody>
+      </p:sp>
+      <p:sp>
+        <p:nvSpPr>
+          <p:cNvPr id="10" name="TextBox 9">
+            <a:extLst>
+              <a:ext uri="{FF2B5EF4-FFF2-40B4-BE49-F238E27FC236}">
+                <a16:creationId xmlns:a16="http://schemas.microsoft.com/office/drawing/2014/main" id="{6CC641D8-6F15-3640-841D-83E27BE0EE47}"/>
+              </a:ext>
+            </a:extLst>
+          </p:cNvPr>
+          <p:cNvSpPr txBox="1"/>
+          <p:nvPr/>
+        </p:nvSpPr>
+        <p:spPr>
+          <a:xfrm>
+            <a:off x="4728666" y="2377921"/>
+            <a:ext cx="1297885" cy="369332"/>
+          </a:xfrm>
+          <a:prstGeom prst="rect">
+            <a:avLst/>
+          </a:prstGeom>
+          <a:noFill/>
+        </p:spPr>
+        <p:txBody>
+          <a:bodyPr wrap="square" rtlCol="0">
+            <a:spAutoFit/>
+          </a:bodyPr>
+          <a:lstStyle/>
+          <a:p>
+            <a:r>
+              <a:rPr lang="en-US" dirty="0">
+                <a:solidFill>
+                  <a:srgbClr val="FF0000"/>
+                </a:solidFill>
+              </a:rPr>
+              <a:t>Navbar</a:t>
+            </a:r>
+          </a:p>
+        </p:txBody>
+      </p:sp>
+      <p:sp>
+        <p:nvSpPr>
+          <p:cNvPr id="11" name="TextBox 10">
+            <a:extLst>
+              <a:ext uri="{FF2B5EF4-FFF2-40B4-BE49-F238E27FC236}">
+                <a16:creationId xmlns:a16="http://schemas.microsoft.com/office/drawing/2014/main" id="{6A61E92F-6EB3-2C44-8593-C54B5F5F4D3B}"/>
+              </a:ext>
+            </a:extLst>
+          </p:cNvPr>
+          <p:cNvSpPr txBox="1"/>
+          <p:nvPr/>
+        </p:nvSpPr>
+        <p:spPr>
+          <a:xfrm>
+            <a:off x="10575080" y="1441577"/>
+            <a:ext cx="1297885" cy="369332"/>
+          </a:xfrm>
+          <a:prstGeom prst="rect">
+            <a:avLst/>
+          </a:prstGeom>
+          <a:noFill/>
+        </p:spPr>
+        <p:txBody>
+          <a:bodyPr wrap="square" rtlCol="0">
+            <a:spAutoFit/>
+          </a:bodyPr>
+          <a:lstStyle/>
+          <a:p>
+            <a:r>
+              <a:rPr lang="en-US" dirty="0">
+                <a:solidFill>
+                  <a:srgbClr val="FF0000"/>
+                </a:solidFill>
+              </a:rPr>
+              <a:t>User Details</a:t>
+            </a:r>
+          </a:p>
+        </p:txBody>
+      </p:sp>
     </p:spTree>
     <p:extLst>
       <p:ext uri="{BB962C8B-B14F-4D97-AF65-F5344CB8AC3E}">
@@ -9058,6 +9576,206 @@
           </a:prstGeom>
         </p:spPr>
       </p:pic>
+      <p:sp>
+        <p:nvSpPr>
+          <p:cNvPr id="6" name="TextBox 5">
+            <a:extLst>
+              <a:ext uri="{FF2B5EF4-FFF2-40B4-BE49-F238E27FC236}">
+                <a16:creationId xmlns:a16="http://schemas.microsoft.com/office/drawing/2014/main" id="{A920DE56-820F-5348-A5BB-2625FF2BF8F4}"/>
+              </a:ext>
+            </a:extLst>
+          </p:cNvPr>
+          <p:cNvSpPr txBox="1"/>
+          <p:nvPr/>
+        </p:nvSpPr>
+        <p:spPr>
+          <a:xfrm>
+            <a:off x="4190560" y="1541514"/>
+            <a:ext cx="1134319" cy="369332"/>
+          </a:xfrm>
+          <a:prstGeom prst="rect">
+            <a:avLst/>
+          </a:prstGeom>
+          <a:noFill/>
+        </p:spPr>
+        <p:txBody>
+          <a:bodyPr wrap="square" rtlCol="0">
+            <a:spAutoFit/>
+          </a:bodyPr>
+          <a:lstStyle/>
+          <a:p>
+            <a:r>
+              <a:rPr lang="en-US" dirty="0" err="1">
+                <a:solidFill>
+                  <a:srgbClr val="FF0000"/>
+                </a:solidFill>
+              </a:rPr>
+              <a:t>Searchbar</a:t>
+            </a:r>
+            <a:endParaRPr lang="en-US" dirty="0">
+              <a:solidFill>
+                <a:srgbClr val="FF0000"/>
+              </a:solidFill>
+            </a:endParaRPr>
+          </a:p>
+        </p:txBody>
+      </p:sp>
+      <p:sp>
+        <p:nvSpPr>
+          <p:cNvPr id="7" name="TextBox 6">
+            <a:extLst>
+              <a:ext uri="{FF2B5EF4-FFF2-40B4-BE49-F238E27FC236}">
+                <a16:creationId xmlns:a16="http://schemas.microsoft.com/office/drawing/2014/main" id="{80E7E7AF-5EC3-E643-8BAA-91F3879806D1}"/>
+              </a:ext>
+            </a:extLst>
+          </p:cNvPr>
+          <p:cNvSpPr txBox="1"/>
+          <p:nvPr/>
+        </p:nvSpPr>
+        <p:spPr>
+          <a:xfrm>
+            <a:off x="10575080" y="1441577"/>
+            <a:ext cx="1297885" cy="369332"/>
+          </a:xfrm>
+          <a:prstGeom prst="rect">
+            <a:avLst/>
+          </a:prstGeom>
+          <a:noFill/>
+        </p:spPr>
+        <p:txBody>
+          <a:bodyPr wrap="square" rtlCol="0">
+            <a:spAutoFit/>
+          </a:bodyPr>
+          <a:lstStyle/>
+          <a:p>
+            <a:r>
+              <a:rPr lang="en-US" dirty="0">
+                <a:solidFill>
+                  <a:srgbClr val="FF0000"/>
+                </a:solidFill>
+              </a:rPr>
+              <a:t>User Details</a:t>
+            </a:r>
+          </a:p>
+        </p:txBody>
+      </p:sp>
+      <p:sp>
+        <p:nvSpPr>
+          <p:cNvPr id="8" name="TextBox 7">
+            <a:extLst>
+              <a:ext uri="{FF2B5EF4-FFF2-40B4-BE49-F238E27FC236}">
+                <a16:creationId xmlns:a16="http://schemas.microsoft.com/office/drawing/2014/main" id="{E4F4E24F-AEE7-424D-8933-83DDAC4A9403}"/>
+              </a:ext>
+            </a:extLst>
+          </p:cNvPr>
+          <p:cNvSpPr txBox="1"/>
+          <p:nvPr/>
+        </p:nvSpPr>
+        <p:spPr>
+          <a:xfrm>
+            <a:off x="4675936" y="2482093"/>
+            <a:ext cx="1297885" cy="369332"/>
+          </a:xfrm>
+          <a:prstGeom prst="rect">
+            <a:avLst/>
+          </a:prstGeom>
+          <a:noFill/>
+        </p:spPr>
+        <p:txBody>
+          <a:bodyPr wrap="square" rtlCol="0">
+            <a:spAutoFit/>
+          </a:bodyPr>
+          <a:lstStyle/>
+          <a:p>
+            <a:r>
+              <a:rPr lang="en-US" dirty="0">
+                <a:solidFill>
+                  <a:srgbClr val="FF0000"/>
+                </a:solidFill>
+              </a:rPr>
+              <a:t>Navbar</a:t>
+            </a:r>
+          </a:p>
+        </p:txBody>
+      </p:sp>
+      <p:sp>
+        <p:nvSpPr>
+          <p:cNvPr id="3" name="TextBox 2">
+            <a:extLst>
+              <a:ext uri="{FF2B5EF4-FFF2-40B4-BE49-F238E27FC236}">
+                <a16:creationId xmlns:a16="http://schemas.microsoft.com/office/drawing/2014/main" id="{7DDF9C09-F402-604E-85E5-1DA17CB98A9E}"/>
+              </a:ext>
+            </a:extLst>
+          </p:cNvPr>
+          <p:cNvSpPr txBox="1"/>
+          <p:nvPr/>
+        </p:nvSpPr>
+        <p:spPr>
+          <a:xfrm>
+            <a:off x="7106856" y="2851425"/>
+            <a:ext cx="1956121" cy="369332"/>
+          </a:xfrm>
+          <a:prstGeom prst="rect">
+            <a:avLst/>
+          </a:prstGeom>
+          <a:noFill/>
+        </p:spPr>
+        <p:txBody>
+          <a:bodyPr wrap="square" rtlCol="0">
+            <a:spAutoFit/>
+          </a:bodyPr>
+          <a:lstStyle/>
+          <a:p>
+            <a:r>
+              <a:rPr lang="en-US" dirty="0">
+                <a:solidFill>
+                  <a:srgbClr val="FF0000"/>
+                </a:solidFill>
+              </a:rPr>
+              <a:t>Title</a:t>
+            </a:r>
+          </a:p>
+        </p:txBody>
+      </p:sp>
+      <p:sp>
+        <p:nvSpPr>
+          <p:cNvPr id="4" name="TextBox 3">
+            <a:extLst>
+              <a:ext uri="{FF2B5EF4-FFF2-40B4-BE49-F238E27FC236}">
+                <a16:creationId xmlns:a16="http://schemas.microsoft.com/office/drawing/2014/main" id="{9AF5A3E9-A681-AE47-873C-DFDB52390164}"/>
+              </a:ext>
+            </a:extLst>
+          </p:cNvPr>
+          <p:cNvSpPr txBox="1"/>
+          <p:nvPr/>
+        </p:nvSpPr>
+        <p:spPr>
+          <a:xfrm>
+            <a:off x="7199454" y="3924595"/>
+            <a:ext cx="2141316" cy="369332"/>
+          </a:xfrm>
+          <a:prstGeom prst="rect">
+            <a:avLst/>
+          </a:prstGeom>
+          <a:noFill/>
+        </p:spPr>
+        <p:txBody>
+          <a:bodyPr wrap="square" rtlCol="0">
+            <a:spAutoFit/>
+          </a:bodyPr>
+          <a:lstStyle/>
+          <a:p>
+            <a:r>
+              <a:rPr lang="en-US" dirty="0">
+                <a:solidFill>
+                  <a:srgbClr val="FF0000"/>
+                </a:solidFill>
+              </a:rPr>
+              <a:t>Text</a:t>
+            </a:r>
+          </a:p>
+        </p:txBody>
+      </p:sp>
     </p:spTree>
     <p:extLst>
       <p:ext uri="{BB962C8B-B14F-4D97-AF65-F5344CB8AC3E}">
@@ -9306,6 +10024,245 @@
           </a:prstGeom>
         </p:spPr>
       </p:pic>
+      <p:sp>
+        <p:nvSpPr>
+          <p:cNvPr id="6" name="TextBox 5">
+            <a:extLst>
+              <a:ext uri="{FF2B5EF4-FFF2-40B4-BE49-F238E27FC236}">
+                <a16:creationId xmlns:a16="http://schemas.microsoft.com/office/drawing/2014/main" id="{273AC5CC-E5FE-BF45-9FCF-F37B65EF61BF}"/>
+              </a:ext>
+            </a:extLst>
+          </p:cNvPr>
+          <p:cNvSpPr txBox="1"/>
+          <p:nvPr/>
+        </p:nvSpPr>
+        <p:spPr>
+          <a:xfrm>
+            <a:off x="4675936" y="2482093"/>
+            <a:ext cx="1297885" cy="369332"/>
+          </a:xfrm>
+          <a:prstGeom prst="rect">
+            <a:avLst/>
+          </a:prstGeom>
+          <a:noFill/>
+        </p:spPr>
+        <p:txBody>
+          <a:bodyPr wrap="square" rtlCol="0">
+            <a:spAutoFit/>
+          </a:bodyPr>
+          <a:lstStyle/>
+          <a:p>
+            <a:r>
+              <a:rPr lang="en-US" dirty="0">
+                <a:solidFill>
+                  <a:srgbClr val="FF0000"/>
+                </a:solidFill>
+              </a:rPr>
+              <a:t>Navbar</a:t>
+            </a:r>
+          </a:p>
+        </p:txBody>
+      </p:sp>
+      <p:sp>
+        <p:nvSpPr>
+          <p:cNvPr id="7" name="TextBox 6">
+            <a:extLst>
+              <a:ext uri="{FF2B5EF4-FFF2-40B4-BE49-F238E27FC236}">
+                <a16:creationId xmlns:a16="http://schemas.microsoft.com/office/drawing/2014/main" id="{43BAA60C-3215-F149-B634-BE1C41EF527D}"/>
+              </a:ext>
+            </a:extLst>
+          </p:cNvPr>
+          <p:cNvSpPr txBox="1"/>
+          <p:nvPr/>
+        </p:nvSpPr>
+        <p:spPr>
+          <a:xfrm>
+            <a:off x="4190560" y="1541514"/>
+            <a:ext cx="1134319" cy="369332"/>
+          </a:xfrm>
+          <a:prstGeom prst="rect">
+            <a:avLst/>
+          </a:prstGeom>
+          <a:noFill/>
+        </p:spPr>
+        <p:txBody>
+          <a:bodyPr wrap="square" rtlCol="0">
+            <a:spAutoFit/>
+          </a:bodyPr>
+          <a:lstStyle/>
+          <a:p>
+            <a:r>
+              <a:rPr lang="en-US" dirty="0" err="1">
+                <a:solidFill>
+                  <a:srgbClr val="FF0000"/>
+                </a:solidFill>
+              </a:rPr>
+              <a:t>Searchbar</a:t>
+            </a:r>
+            <a:endParaRPr lang="en-US" dirty="0">
+              <a:solidFill>
+                <a:srgbClr val="FF0000"/>
+              </a:solidFill>
+            </a:endParaRPr>
+          </a:p>
+        </p:txBody>
+      </p:sp>
+      <p:sp>
+        <p:nvSpPr>
+          <p:cNvPr id="8" name="TextBox 7">
+            <a:extLst>
+              <a:ext uri="{FF2B5EF4-FFF2-40B4-BE49-F238E27FC236}">
+                <a16:creationId xmlns:a16="http://schemas.microsoft.com/office/drawing/2014/main" id="{238E039B-D531-0F42-8E5D-EE62C4D2DA54}"/>
+              </a:ext>
+            </a:extLst>
+          </p:cNvPr>
+          <p:cNvSpPr txBox="1"/>
+          <p:nvPr/>
+        </p:nvSpPr>
+        <p:spPr>
+          <a:xfrm>
+            <a:off x="10575080" y="1441577"/>
+            <a:ext cx="1297885" cy="369332"/>
+          </a:xfrm>
+          <a:prstGeom prst="rect">
+            <a:avLst/>
+          </a:prstGeom>
+          <a:noFill/>
+        </p:spPr>
+        <p:txBody>
+          <a:bodyPr wrap="square" rtlCol="0">
+            <a:spAutoFit/>
+          </a:bodyPr>
+          <a:lstStyle/>
+          <a:p>
+            <a:r>
+              <a:rPr lang="en-US" dirty="0">
+                <a:solidFill>
+                  <a:srgbClr val="FF0000"/>
+                </a:solidFill>
+              </a:rPr>
+              <a:t>User Details</a:t>
+            </a:r>
+          </a:p>
+        </p:txBody>
+      </p:sp>
+      <p:sp>
+        <p:nvSpPr>
+          <p:cNvPr id="3" name="TextBox 2">
+            <a:extLst>
+              <a:ext uri="{FF2B5EF4-FFF2-40B4-BE49-F238E27FC236}">
+                <a16:creationId xmlns:a16="http://schemas.microsoft.com/office/drawing/2014/main" id="{FAA7F893-4AFD-8849-BE5B-503D2FB8B513}"/>
+              </a:ext>
+            </a:extLst>
+          </p:cNvPr>
+          <p:cNvSpPr txBox="1"/>
+          <p:nvPr/>
+        </p:nvSpPr>
+        <p:spPr>
+          <a:xfrm>
+            <a:off x="8137003" y="5220182"/>
+            <a:ext cx="1539432" cy="369332"/>
+          </a:xfrm>
+          <a:prstGeom prst="rect">
+            <a:avLst/>
+          </a:prstGeom>
+          <a:noFill/>
+        </p:spPr>
+        <p:txBody>
+          <a:bodyPr wrap="square" rtlCol="0">
+            <a:spAutoFit/>
+          </a:bodyPr>
+          <a:lstStyle/>
+          <a:p>
+            <a:r>
+              <a:rPr lang="en-US" dirty="0">
+                <a:solidFill>
+                  <a:srgbClr val="FF0000"/>
+                </a:solidFill>
+              </a:rPr>
+              <a:t>Submit button</a:t>
+            </a:r>
+          </a:p>
+        </p:txBody>
+      </p:sp>
+      <p:sp>
+        <p:nvSpPr>
+          <p:cNvPr id="4" name="TextBox 3">
+            <a:extLst>
+              <a:ext uri="{FF2B5EF4-FFF2-40B4-BE49-F238E27FC236}">
+                <a16:creationId xmlns:a16="http://schemas.microsoft.com/office/drawing/2014/main" id="{489C5F09-BB45-5D40-A692-C1196BC00BF5}"/>
+              </a:ext>
+            </a:extLst>
+          </p:cNvPr>
+          <p:cNvSpPr txBox="1"/>
+          <p:nvPr/>
+        </p:nvSpPr>
+        <p:spPr>
+          <a:xfrm>
+            <a:off x="6539696" y="4016415"/>
+            <a:ext cx="1250066" cy="646331"/>
+          </a:xfrm>
+          <a:prstGeom prst="rect">
+            <a:avLst/>
+          </a:prstGeom>
+          <a:noFill/>
+        </p:spPr>
+        <p:txBody>
+          <a:bodyPr wrap="square" rtlCol="0">
+            <a:spAutoFit/>
+          </a:bodyPr>
+          <a:lstStyle/>
+          <a:p>
+            <a:r>
+              <a:rPr lang="en-US" dirty="0">
+                <a:solidFill>
+                  <a:srgbClr val="FF0000"/>
+                </a:solidFill>
+              </a:rPr>
+              <a:t>Message content</a:t>
+            </a:r>
+          </a:p>
+        </p:txBody>
+      </p:sp>
+      <p:sp>
+        <p:nvSpPr>
+          <p:cNvPr id="5" name="TextBox 4">
+            <a:extLst>
+              <a:ext uri="{FF2B5EF4-FFF2-40B4-BE49-F238E27FC236}">
+                <a16:creationId xmlns:a16="http://schemas.microsoft.com/office/drawing/2014/main" id="{C5D7BE92-1BC5-D240-B9A3-74C9613EF887}"/>
+              </a:ext>
+            </a:extLst>
+          </p:cNvPr>
+          <p:cNvSpPr txBox="1"/>
+          <p:nvPr/>
+        </p:nvSpPr>
+        <p:spPr>
+          <a:xfrm>
+            <a:off x="8773609" y="2986268"/>
+            <a:ext cx="1608881" cy="646331"/>
+          </a:xfrm>
+          <a:prstGeom prst="rect">
+            <a:avLst/>
+          </a:prstGeom>
+          <a:noFill/>
+        </p:spPr>
+        <p:txBody>
+          <a:bodyPr wrap="square" rtlCol="0">
+            <a:spAutoFit/>
+          </a:bodyPr>
+          <a:lstStyle/>
+          <a:p>
+            <a:r>
+              <a:rPr lang="en-US" dirty="0">
+                <a:solidFill>
+                  <a:srgbClr val="FF0000"/>
+                </a:solidFill>
+              </a:rPr>
+              <a:t>User Details form</a:t>
+            </a:r>
+          </a:p>
+        </p:txBody>
+      </p:sp>
     </p:spTree>
     <p:extLst>
       <p:ext uri="{BB962C8B-B14F-4D97-AF65-F5344CB8AC3E}">
@@ -9320,6 +10277,271 @@
 </file>
 
 <file path=ppt/slides/slide14.xml><?xml version="1.0" encoding="utf-8"?>
+<p:sld xmlns:a="http://schemas.openxmlformats.org/drawingml/2006/main" xmlns:r="http://schemas.openxmlformats.org/officeDocument/2006/relationships" xmlns:p="http://schemas.openxmlformats.org/presentationml/2006/main">
+  <p:cSld>
+    <p:bg>
+      <p:bgPr>
+        <a:solidFill>
+          <a:schemeClr val="bg1"/>
+        </a:solidFill>
+        <a:effectLst/>
+      </p:bgPr>
+    </p:bg>
+    <p:spTree>
+      <p:nvGrpSpPr>
+        <p:cNvPr id="1" name=""/>
+        <p:cNvGrpSpPr/>
+        <p:nvPr/>
+      </p:nvGrpSpPr>
+      <p:grpSpPr>
+        <a:xfrm>
+          <a:off x="0" y="0"/>
+          <a:ext cx="0" cy="0"/>
+          <a:chOff x="0" y="0"/>
+          <a:chExt cx="0" cy="0"/>
+        </a:xfrm>
+      </p:grpSpPr>
+      <p:sp>
+        <p:nvSpPr>
+          <p:cNvPr id="8" name="Rectangle 7">
+            <a:extLst>
+              <a:ext uri="{FF2B5EF4-FFF2-40B4-BE49-F238E27FC236}">
+                <a16:creationId xmlns:a16="http://schemas.microsoft.com/office/drawing/2014/main" id="{23962611-DFD5-4092-AAFD-559E3DFCE2C9}"/>
+              </a:ext>
+              <a:ext uri="{C183D7F6-B498-43B3-948B-1728B52AA6E4}">
+                <adec:decorative xmlns:adec="http://schemas.microsoft.com/office/drawing/2017/decorative" val="1"/>
+              </a:ext>
+            </a:extLst>
+          </p:cNvPr>
+          <p:cNvSpPr>
+            <a:spLocks noGrp="1" noRot="1" noChangeAspect="1" noMove="1" noResize="1" noEditPoints="1" noAdjustHandles="1" noChangeArrowheads="1" noChangeShapeType="1" noTextEdit="1"/>
+          </p:cNvSpPr>
+          <p:nvPr>
+            <p:extLst>
+              <p:ext uri="{386F3935-93C4-4BCD-93E2-E3B085C9AB24}">
+                <p16:designElem xmlns:p16="http://schemas.microsoft.com/office/powerpoint/2015/main" val="1"/>
+              </p:ext>
+            </p:extLst>
+          </p:nvPr>
+        </p:nvSpPr>
+        <p:spPr>
+          <a:xfrm>
+            <a:off x="475488" y="0"/>
+            <a:ext cx="10910292" cy="6858000"/>
+          </a:xfrm>
+          <a:prstGeom prst="rect">
+            <a:avLst/>
+          </a:prstGeom>
+          <a:gradFill>
+            <a:gsLst>
+              <a:gs pos="0">
+                <a:schemeClr val="accent1">
+                  <a:lumMod val="90000"/>
+                </a:schemeClr>
+              </a:gs>
+              <a:gs pos="25000">
+                <a:schemeClr val="accent1">
+                  <a:lumMod val="90000"/>
+                </a:schemeClr>
+              </a:gs>
+              <a:gs pos="94000">
+                <a:schemeClr val="bg2">
+                  <a:lumMod val="25000"/>
+                </a:schemeClr>
+              </a:gs>
+              <a:gs pos="100000">
+                <a:schemeClr val="bg2">
+                  <a:lumMod val="25000"/>
+                </a:schemeClr>
+              </a:gs>
+            </a:gsLst>
+            <a:lin ang="4200000" scaled="0"/>
+          </a:gradFill>
+          <a:ln>
+            <a:noFill/>
+          </a:ln>
+        </p:spPr>
+        <p:style>
+          <a:lnRef idx="2">
+            <a:schemeClr val="accent1">
+              <a:shade val="50000"/>
+            </a:schemeClr>
+          </a:lnRef>
+          <a:fillRef idx="1">
+            <a:schemeClr val="accent1"/>
+          </a:fillRef>
+          <a:effectRef idx="0">
+            <a:schemeClr val="accent1"/>
+          </a:effectRef>
+          <a:fontRef idx="minor">
+            <a:schemeClr val="lt1"/>
+          </a:fontRef>
+        </p:style>
+        <p:txBody>
+          <a:bodyPr rtlCol="0" anchor="ctr"/>
+          <a:lstStyle/>
+          <a:p>
+            <a:pPr algn="ctr"/>
+            <a:endParaRPr lang="en-US"/>
+          </a:p>
+        </p:txBody>
+      </p:sp>
+      <p:pic>
+        <p:nvPicPr>
+          <p:cNvPr id="10" name="Picture 9">
+            <a:extLst>
+              <a:ext uri="{FF2B5EF4-FFF2-40B4-BE49-F238E27FC236}">
+                <a16:creationId xmlns:a16="http://schemas.microsoft.com/office/drawing/2014/main" id="{2270F1FA-0425-408F-9861-80BF5AFB276D}"/>
+              </a:ext>
+              <a:ext uri="{C183D7F6-B498-43B3-948B-1728B52AA6E4}">
+                <adec:decorative xmlns:adec="http://schemas.microsoft.com/office/drawing/2017/decorative" val="1"/>
+              </a:ext>
+            </a:extLst>
+          </p:cNvPr>
+          <p:cNvPicPr>
+            <a:picLocks noGrp="1" noRot="1" noChangeAspect="1" noMove="1" noResize="1" noEditPoints="1" noAdjustHandles="1" noChangeArrowheads="1" noChangeShapeType="1" noCrop="1"/>
+          </p:cNvPicPr>
+          <p:nvPr>
+            <p:extLst>
+              <p:ext uri="{386F3935-93C4-4BCD-93E2-E3B085C9AB24}">
+                <p16:designElem xmlns:p16="http://schemas.microsoft.com/office/powerpoint/2015/main" val="1"/>
+              </p:ext>
+            </p:extLst>
+          </p:nvPr>
+        </p:nvPicPr>
+        <p:blipFill>
+          <a:blip r:embed="rId2">
+            <a:extLst>
+              <a:ext uri="{28A0092B-C50C-407E-A947-70E740481C1C}">
+                <a14:useLocalDpi xmlns:a14="http://schemas.microsoft.com/office/drawing/2010/main" val="0"/>
+              </a:ext>
+            </a:extLst>
+          </a:blip>
+          <a:stretch>
+            <a:fillRect/>
+          </a:stretch>
+        </p:blipFill>
+        <p:spPr>
+          <a:xfrm>
+            <a:off x="0" y="0"/>
+            <a:ext cx="12192000" cy="6858000"/>
+          </a:xfrm>
+          <a:prstGeom prst="rect">
+            <a:avLst/>
+          </a:prstGeom>
+        </p:spPr>
+      </p:pic>
+      <p:sp>
+        <p:nvSpPr>
+          <p:cNvPr id="2" name="Title 1">
+            <a:extLst>
+              <a:ext uri="{FF2B5EF4-FFF2-40B4-BE49-F238E27FC236}">
+                <a16:creationId xmlns:a16="http://schemas.microsoft.com/office/drawing/2014/main" id="{6EA9C067-B7F1-E549-9A78-7700D1C6B933}"/>
+              </a:ext>
+            </a:extLst>
+          </p:cNvPr>
+          <p:cNvSpPr>
+            <a:spLocks noGrp="1"/>
+          </p:cNvSpPr>
+          <p:nvPr>
+            <p:ph type="title"/>
+          </p:nvPr>
+        </p:nvSpPr>
+        <p:spPr>
+          <a:xfrm>
+            <a:off x="3045368" y="2043663"/>
+            <a:ext cx="6105194" cy="2031055"/>
+          </a:xfrm>
+        </p:spPr>
+        <p:txBody>
+          <a:bodyPr vert="horz" lIns="91440" tIns="45720" rIns="91440" bIns="45720" rtlCol="0" anchor="b">
+            <a:normAutofit/>
+          </a:bodyPr>
+          <a:lstStyle/>
+          <a:p>
+            <a:pPr algn="ctr"/>
+            <a:r>
+              <a:rPr lang="en-US" sz="6000" kern="1200">
+                <a:solidFill>
+                  <a:srgbClr val="FFFFFF"/>
+                </a:solidFill>
+                <a:latin typeface="+mj-lt"/>
+                <a:ea typeface="+mj-ea"/>
+                <a:cs typeface="+mj-cs"/>
+              </a:rPr>
+              <a:t>Heroku live application</a:t>
+            </a:r>
+          </a:p>
+        </p:txBody>
+      </p:sp>
+      <p:sp>
+        <p:nvSpPr>
+          <p:cNvPr id="3" name="Content Placeholder 2">
+            <a:extLst>
+              <a:ext uri="{FF2B5EF4-FFF2-40B4-BE49-F238E27FC236}">
+                <a16:creationId xmlns:a16="http://schemas.microsoft.com/office/drawing/2014/main" id="{B6B46E8A-97BD-5E45-A853-7892181E2EE0}"/>
+              </a:ext>
+            </a:extLst>
+          </p:cNvPr>
+          <p:cNvSpPr>
+            <a:spLocks noGrp="1"/>
+          </p:cNvSpPr>
+          <p:nvPr>
+            <p:ph idx="1"/>
+          </p:nvPr>
+        </p:nvSpPr>
+        <p:spPr>
+          <a:xfrm>
+            <a:off x="3045368" y="4074718"/>
+            <a:ext cx="6105194" cy="682079"/>
+          </a:xfrm>
+        </p:spPr>
+        <p:txBody>
+          <a:bodyPr vert="horz" lIns="91440" tIns="45720" rIns="91440" bIns="45720" rtlCol="0">
+            <a:normAutofit/>
+          </a:bodyPr>
+          <a:lstStyle/>
+          <a:p>
+            <a:pPr marL="0" indent="0" algn="ctr">
+              <a:buNone/>
+            </a:pPr>
+            <a:r>
+              <a:rPr lang="en-US" sz="2400" kern="1200" dirty="0">
+                <a:solidFill>
+                  <a:srgbClr val="FFFFFF"/>
+                </a:solidFill>
+                <a:latin typeface="+mn-lt"/>
+                <a:ea typeface="+mn-ea"/>
+                <a:cs typeface="+mn-cs"/>
+                <a:hlinkClick r:id="rId3"/>
+              </a:rPr>
+              <a:t>https://cryptic-oasis-30547.herokuapp.com/</a:t>
+            </a:r>
+            <a:endParaRPr lang="en-US" sz="2400" kern="1200" dirty="0">
+              <a:solidFill>
+                <a:srgbClr val="FFFFFF"/>
+              </a:solidFill>
+              <a:latin typeface="+mn-lt"/>
+              <a:ea typeface="+mn-ea"/>
+              <a:cs typeface="+mn-cs"/>
+            </a:endParaRPr>
+          </a:p>
+        </p:txBody>
+      </p:sp>
+    </p:spTree>
+    <p:extLst>
+      <p:ext uri="{BB962C8B-B14F-4D97-AF65-F5344CB8AC3E}">
+        <p14:creationId xmlns:p14="http://schemas.microsoft.com/office/powerpoint/2010/main" val="732625985"/>
+      </p:ext>
+    </p:extLst>
+  </p:cSld>
+  <p:clrMapOvr>
+    <a:masterClrMapping/>
+  </p:clrMapOvr>
+</p:sld>
+</file>
+
+<file path=ppt/slides/slide15.xml><?xml version="1.0" encoding="utf-8"?>
 <p:sld xmlns:a="http://schemas.openxmlformats.org/drawingml/2006/main" xmlns:r="http://schemas.openxmlformats.org/officeDocument/2006/relationships" xmlns:p="http://schemas.openxmlformats.org/presentationml/2006/main">
   <p:cSld>
     <p:bg>
@@ -11138,7 +12360,7 @@
         </p:blipFill>
         <p:spPr>
           <a:xfrm>
-            <a:off x="4038600" y="1028245"/>
+            <a:off x="4100290" y="1029939"/>
             <a:ext cx="7188199" cy="4798121"/>
           </a:xfrm>
           <a:prstGeom prst="rect">
@@ -11146,6 +12368,284 @@
           </a:prstGeom>
         </p:spPr>
       </p:pic>
+      <p:sp>
+        <p:nvSpPr>
+          <p:cNvPr id="3" name="TextBox 2">
+            <a:extLst>
+              <a:ext uri="{FF2B5EF4-FFF2-40B4-BE49-F238E27FC236}">
+                <a16:creationId xmlns:a16="http://schemas.microsoft.com/office/drawing/2014/main" id="{B11288D6-8BE5-9C41-8BDA-AC4364DC1BD2}"/>
+              </a:ext>
+            </a:extLst>
+          </p:cNvPr>
+          <p:cNvSpPr txBox="1"/>
+          <p:nvPr/>
+        </p:nvSpPr>
+        <p:spPr>
+          <a:xfrm>
+            <a:off x="5430455" y="1296365"/>
+            <a:ext cx="1331089" cy="369332"/>
+          </a:xfrm>
+          <a:prstGeom prst="rect">
+            <a:avLst/>
+          </a:prstGeom>
+          <a:noFill/>
+        </p:spPr>
+        <p:txBody>
+          <a:bodyPr wrap="square" rtlCol="0">
+            <a:spAutoFit/>
+          </a:bodyPr>
+          <a:lstStyle/>
+          <a:p>
+            <a:r>
+              <a:rPr lang="en-US" dirty="0" err="1">
+                <a:solidFill>
+                  <a:srgbClr val="FF0000"/>
+                </a:solidFill>
+              </a:rPr>
+              <a:t>Searchbar</a:t>
+            </a:r>
+            <a:endParaRPr lang="en-US" dirty="0">
+              <a:solidFill>
+                <a:srgbClr val="FF0000"/>
+              </a:solidFill>
+            </a:endParaRPr>
+          </a:p>
+        </p:txBody>
+      </p:sp>
+      <p:sp>
+        <p:nvSpPr>
+          <p:cNvPr id="7" name="TextBox 6">
+            <a:extLst>
+              <a:ext uri="{FF2B5EF4-FFF2-40B4-BE49-F238E27FC236}">
+                <a16:creationId xmlns:a16="http://schemas.microsoft.com/office/drawing/2014/main" id="{D7E96830-615F-CA4D-A230-F5B627244B72}"/>
+              </a:ext>
+            </a:extLst>
+          </p:cNvPr>
+          <p:cNvSpPr txBox="1"/>
+          <p:nvPr/>
+        </p:nvSpPr>
+        <p:spPr>
+          <a:xfrm>
+            <a:off x="4751932" y="2509276"/>
+            <a:ext cx="1331089" cy="369332"/>
+          </a:xfrm>
+          <a:prstGeom prst="rect">
+            <a:avLst/>
+          </a:prstGeom>
+          <a:noFill/>
+        </p:spPr>
+        <p:txBody>
+          <a:bodyPr wrap="square" rtlCol="0">
+            <a:spAutoFit/>
+          </a:bodyPr>
+          <a:lstStyle/>
+          <a:p>
+            <a:r>
+              <a:rPr lang="en-US" dirty="0">
+                <a:solidFill>
+                  <a:srgbClr val="FF0000"/>
+                </a:solidFill>
+              </a:rPr>
+              <a:t>Navbar</a:t>
+            </a:r>
+          </a:p>
+        </p:txBody>
+      </p:sp>
+      <p:sp>
+        <p:nvSpPr>
+          <p:cNvPr id="4" name="TextBox 3">
+            <a:extLst>
+              <a:ext uri="{FF2B5EF4-FFF2-40B4-BE49-F238E27FC236}">
+                <a16:creationId xmlns:a16="http://schemas.microsoft.com/office/drawing/2014/main" id="{406E5C6C-B275-E240-BE92-112007AE3F15}"/>
+              </a:ext>
+            </a:extLst>
+          </p:cNvPr>
+          <p:cNvSpPr txBox="1"/>
+          <p:nvPr/>
+        </p:nvSpPr>
+        <p:spPr>
+          <a:xfrm>
+            <a:off x="8773610" y="3113590"/>
+            <a:ext cx="1423686" cy="369332"/>
+          </a:xfrm>
+          <a:prstGeom prst="rect">
+            <a:avLst/>
+          </a:prstGeom>
+          <a:noFill/>
+        </p:spPr>
+        <p:txBody>
+          <a:bodyPr wrap="square" rtlCol="0">
+            <a:spAutoFit/>
+          </a:bodyPr>
+          <a:lstStyle/>
+          <a:p>
+            <a:r>
+              <a:rPr lang="en-US" dirty="0">
+                <a:solidFill>
+                  <a:srgbClr val="FF0000"/>
+                </a:solidFill>
+              </a:rPr>
+              <a:t>Login Details</a:t>
+            </a:r>
+          </a:p>
+        </p:txBody>
+      </p:sp>
+      <p:sp>
+        <p:nvSpPr>
+          <p:cNvPr id="9" name="TextBox 8">
+            <a:extLst>
+              <a:ext uri="{FF2B5EF4-FFF2-40B4-BE49-F238E27FC236}">
+                <a16:creationId xmlns:a16="http://schemas.microsoft.com/office/drawing/2014/main" id="{E0FD4166-83B0-104A-B17C-38F7B91A25E4}"/>
+              </a:ext>
+            </a:extLst>
+          </p:cNvPr>
+          <p:cNvSpPr txBox="1"/>
+          <p:nvPr/>
+        </p:nvSpPr>
+        <p:spPr>
+          <a:xfrm>
+            <a:off x="8150507" y="4100646"/>
+            <a:ext cx="1423686" cy="369332"/>
+          </a:xfrm>
+          <a:prstGeom prst="rect">
+            <a:avLst/>
+          </a:prstGeom>
+          <a:noFill/>
+        </p:spPr>
+        <p:txBody>
+          <a:bodyPr wrap="square" rtlCol="0">
+            <a:spAutoFit/>
+          </a:bodyPr>
+          <a:lstStyle/>
+          <a:p>
+            <a:r>
+              <a:rPr lang="en-US" dirty="0">
+                <a:solidFill>
+                  <a:srgbClr val="FF0000"/>
+                </a:solidFill>
+              </a:rPr>
+              <a:t>Login button</a:t>
+            </a:r>
+          </a:p>
+        </p:txBody>
+      </p:sp>
+      <p:sp>
+        <p:nvSpPr>
+          <p:cNvPr id="10" name="TextBox 9">
+            <a:extLst>
+              <a:ext uri="{FF2B5EF4-FFF2-40B4-BE49-F238E27FC236}">
+                <a16:creationId xmlns:a16="http://schemas.microsoft.com/office/drawing/2014/main" id="{09755DAD-A711-B042-8638-54EF452DDF21}"/>
+              </a:ext>
+            </a:extLst>
+          </p:cNvPr>
+          <p:cNvSpPr txBox="1"/>
+          <p:nvPr/>
+        </p:nvSpPr>
+        <p:spPr>
+          <a:xfrm>
+            <a:off x="5205596" y="4783638"/>
+            <a:ext cx="1423686" cy="369332"/>
+          </a:xfrm>
+          <a:prstGeom prst="rect">
+            <a:avLst/>
+          </a:prstGeom>
+          <a:noFill/>
+        </p:spPr>
+        <p:txBody>
+          <a:bodyPr wrap="square" rtlCol="0">
+            <a:spAutoFit/>
+          </a:bodyPr>
+          <a:lstStyle/>
+          <a:p>
+            <a:r>
+              <a:rPr lang="en-US" dirty="0">
+                <a:solidFill>
+                  <a:srgbClr val="FF0000"/>
+                </a:solidFill>
+              </a:rPr>
+              <a:t>Signup</a:t>
+            </a:r>
+          </a:p>
+        </p:txBody>
+      </p:sp>
+      <p:sp>
+        <p:nvSpPr>
+          <p:cNvPr id="6" name="TextBox 5">
+            <a:extLst>
+              <a:ext uri="{FF2B5EF4-FFF2-40B4-BE49-F238E27FC236}">
+                <a16:creationId xmlns:a16="http://schemas.microsoft.com/office/drawing/2014/main" id="{F32F43FB-7F9A-1A44-897F-A48131A96E0D}"/>
+              </a:ext>
+            </a:extLst>
+          </p:cNvPr>
+          <p:cNvSpPr txBox="1"/>
+          <p:nvPr/>
+        </p:nvSpPr>
+        <p:spPr>
+          <a:xfrm>
+            <a:off x="9110327" y="4718370"/>
+            <a:ext cx="1086969" cy="646331"/>
+          </a:xfrm>
+          <a:prstGeom prst="rect">
+            <a:avLst/>
+          </a:prstGeom>
+          <a:noFill/>
+        </p:spPr>
+        <p:txBody>
+          <a:bodyPr wrap="square" rtlCol="0">
+            <a:spAutoFit/>
+          </a:bodyPr>
+          <a:lstStyle/>
+          <a:p>
+            <a:r>
+              <a:rPr lang="en-US" dirty="0">
+                <a:solidFill>
+                  <a:srgbClr val="FF0000"/>
+                </a:solidFill>
+              </a:rPr>
+              <a:t>Forgot password</a:t>
+            </a:r>
+          </a:p>
+        </p:txBody>
+      </p:sp>
+      <p:sp>
+        <p:nvSpPr>
+          <p:cNvPr id="8" name="TextBox 7">
+            <a:extLst>
+              <a:ext uri="{FF2B5EF4-FFF2-40B4-BE49-F238E27FC236}">
+                <a16:creationId xmlns:a16="http://schemas.microsoft.com/office/drawing/2014/main" id="{728093F7-80D1-CB43-9462-307D8AF28BF7}"/>
+              </a:ext>
+            </a:extLst>
+          </p:cNvPr>
+          <p:cNvSpPr txBox="1"/>
+          <p:nvPr/>
+        </p:nvSpPr>
+        <p:spPr>
+          <a:xfrm>
+            <a:off x="10420731" y="1481031"/>
+            <a:ext cx="1319514" cy="369332"/>
+          </a:xfrm>
+          <a:prstGeom prst="rect">
+            <a:avLst/>
+          </a:prstGeom>
+          <a:noFill/>
+        </p:spPr>
+        <p:txBody>
+          <a:bodyPr wrap="square" rtlCol="0">
+            <a:spAutoFit/>
+          </a:bodyPr>
+          <a:lstStyle/>
+          <a:p>
+            <a:r>
+              <a:rPr lang="en-US" dirty="0">
+                <a:solidFill>
+                  <a:srgbClr val="FF0000"/>
+                </a:solidFill>
+              </a:rPr>
+              <a:t>User details</a:t>
+            </a:r>
+          </a:p>
+        </p:txBody>
+      </p:sp>
     </p:spTree>
     <p:extLst>
       <p:ext uri="{BB962C8B-B14F-4D97-AF65-F5344CB8AC3E}">
@@ -11402,6 +12902,167 @@
           </a:prstGeom>
         </p:spPr>
       </p:pic>
+      <p:sp>
+        <p:nvSpPr>
+          <p:cNvPr id="6" name="TextBox 5">
+            <a:extLst>
+              <a:ext uri="{FF2B5EF4-FFF2-40B4-BE49-F238E27FC236}">
+                <a16:creationId xmlns:a16="http://schemas.microsoft.com/office/drawing/2014/main" id="{D790379D-DA9D-C54A-BC22-9A55A6EF00B2}"/>
+              </a:ext>
+            </a:extLst>
+          </p:cNvPr>
+          <p:cNvSpPr txBox="1"/>
+          <p:nvPr/>
+        </p:nvSpPr>
+        <p:spPr>
+          <a:xfrm>
+            <a:off x="4666872" y="2370380"/>
+            <a:ext cx="1331089" cy="369332"/>
+          </a:xfrm>
+          <a:prstGeom prst="rect">
+            <a:avLst/>
+          </a:prstGeom>
+          <a:noFill/>
+        </p:spPr>
+        <p:txBody>
+          <a:bodyPr wrap="square" rtlCol="0">
+            <a:spAutoFit/>
+          </a:bodyPr>
+          <a:lstStyle/>
+          <a:p>
+            <a:r>
+              <a:rPr lang="en-US" dirty="0">
+                <a:solidFill>
+                  <a:srgbClr val="FF0000"/>
+                </a:solidFill>
+              </a:rPr>
+              <a:t>Navbar</a:t>
+            </a:r>
+          </a:p>
+        </p:txBody>
+      </p:sp>
+      <p:sp>
+        <p:nvSpPr>
+          <p:cNvPr id="7" name="TextBox 6">
+            <a:extLst>
+              <a:ext uri="{FF2B5EF4-FFF2-40B4-BE49-F238E27FC236}">
+                <a16:creationId xmlns:a16="http://schemas.microsoft.com/office/drawing/2014/main" id="{5C97884F-E27E-E14C-9E61-681420885B03}"/>
+              </a:ext>
+            </a:extLst>
+          </p:cNvPr>
+          <p:cNvSpPr txBox="1"/>
+          <p:nvPr/>
+        </p:nvSpPr>
+        <p:spPr>
+          <a:xfrm>
+            <a:off x="4342435" y="1459970"/>
+            <a:ext cx="1331089" cy="369332"/>
+          </a:xfrm>
+          <a:prstGeom prst="rect">
+            <a:avLst/>
+          </a:prstGeom>
+          <a:noFill/>
+        </p:spPr>
+        <p:txBody>
+          <a:bodyPr wrap="square" rtlCol="0">
+            <a:spAutoFit/>
+          </a:bodyPr>
+          <a:lstStyle/>
+          <a:p>
+            <a:r>
+              <a:rPr lang="en-US" dirty="0" err="1">
+                <a:solidFill>
+                  <a:srgbClr val="FF0000"/>
+                </a:solidFill>
+              </a:rPr>
+              <a:t>Searchbar</a:t>
+            </a:r>
+            <a:endParaRPr lang="en-US" dirty="0">
+              <a:solidFill>
+                <a:srgbClr val="FF0000"/>
+              </a:solidFill>
+            </a:endParaRPr>
+          </a:p>
+        </p:txBody>
+      </p:sp>
+      <p:sp>
+        <p:nvSpPr>
+          <p:cNvPr id="8" name="TextBox 7">
+            <a:extLst>
+              <a:ext uri="{FF2B5EF4-FFF2-40B4-BE49-F238E27FC236}">
+                <a16:creationId xmlns:a16="http://schemas.microsoft.com/office/drawing/2014/main" id="{BDEEE6C1-25D8-194E-B8D5-2121EE5CFBDC}"/>
+              </a:ext>
+            </a:extLst>
+          </p:cNvPr>
+          <p:cNvSpPr txBox="1"/>
+          <p:nvPr/>
+        </p:nvSpPr>
+        <p:spPr>
+          <a:xfrm>
+            <a:off x="10777407" y="1459970"/>
+            <a:ext cx="1319514" cy="369332"/>
+          </a:xfrm>
+          <a:prstGeom prst="rect">
+            <a:avLst/>
+          </a:prstGeom>
+          <a:noFill/>
+        </p:spPr>
+        <p:txBody>
+          <a:bodyPr wrap="square" rtlCol="0">
+            <a:spAutoFit/>
+          </a:bodyPr>
+          <a:lstStyle/>
+          <a:p>
+            <a:r>
+              <a:rPr lang="en-US" dirty="0">
+                <a:solidFill>
+                  <a:srgbClr val="FF0000"/>
+                </a:solidFill>
+              </a:rPr>
+              <a:t>User details</a:t>
+            </a:r>
+          </a:p>
+        </p:txBody>
+      </p:sp>
+      <p:sp>
+        <p:nvSpPr>
+          <p:cNvPr id="3" name="TextBox 2">
+            <a:extLst>
+              <a:ext uri="{FF2B5EF4-FFF2-40B4-BE49-F238E27FC236}">
+                <a16:creationId xmlns:a16="http://schemas.microsoft.com/office/drawing/2014/main" id="{31886DD2-0494-D449-A2E4-0CEACC89B37A}"/>
+              </a:ext>
+            </a:extLst>
+          </p:cNvPr>
+          <p:cNvSpPr txBox="1"/>
+          <p:nvPr/>
+        </p:nvSpPr>
+        <p:spPr>
+          <a:xfrm>
+            <a:off x="5007979" y="3117526"/>
+            <a:ext cx="665545" cy="369332"/>
+          </a:xfrm>
+          <a:prstGeom prst="rect">
+            <a:avLst/>
+          </a:prstGeom>
+          <a:noFill/>
+        </p:spPr>
+        <p:txBody>
+          <a:bodyPr wrap="square" rtlCol="0">
+            <a:spAutoFit/>
+          </a:bodyPr>
+          <a:lstStyle/>
+          <a:p>
+            <a:r>
+              <a:rPr lang="en-US" dirty="0">
+                <a:solidFill>
+                  <a:srgbClr val="FF0000"/>
+                </a:solidFill>
+              </a:rPr>
+              <a:t>Logo</a:t>
+            </a:r>
+          </a:p>
+        </p:txBody>
+      </p:sp>
     </p:spTree>
     <p:extLst>
       <p:ext uri="{BB962C8B-B14F-4D97-AF65-F5344CB8AC3E}">
@@ -11650,6 +13311,245 @@
           </a:prstGeom>
         </p:spPr>
       </p:pic>
+      <p:sp>
+        <p:nvSpPr>
+          <p:cNvPr id="3" name="TextBox 2">
+            <a:extLst>
+              <a:ext uri="{FF2B5EF4-FFF2-40B4-BE49-F238E27FC236}">
+                <a16:creationId xmlns:a16="http://schemas.microsoft.com/office/drawing/2014/main" id="{A34B264B-D512-E145-B872-18484034406B}"/>
+              </a:ext>
+            </a:extLst>
+          </p:cNvPr>
+          <p:cNvSpPr txBox="1"/>
+          <p:nvPr/>
+        </p:nvSpPr>
+        <p:spPr>
+          <a:xfrm>
+            <a:off x="4386804" y="1539433"/>
+            <a:ext cx="1134319" cy="369332"/>
+          </a:xfrm>
+          <a:prstGeom prst="rect">
+            <a:avLst/>
+          </a:prstGeom>
+          <a:noFill/>
+        </p:spPr>
+        <p:txBody>
+          <a:bodyPr wrap="square" rtlCol="0">
+            <a:spAutoFit/>
+          </a:bodyPr>
+          <a:lstStyle/>
+          <a:p>
+            <a:r>
+              <a:rPr lang="en-US" dirty="0" err="1">
+                <a:solidFill>
+                  <a:srgbClr val="FF0000"/>
+                </a:solidFill>
+              </a:rPr>
+              <a:t>Searchbar</a:t>
+            </a:r>
+            <a:endParaRPr lang="en-US" dirty="0">
+              <a:solidFill>
+                <a:srgbClr val="FF0000"/>
+              </a:solidFill>
+            </a:endParaRPr>
+          </a:p>
+        </p:txBody>
+      </p:sp>
+      <p:sp>
+        <p:nvSpPr>
+          <p:cNvPr id="4" name="TextBox 3">
+            <a:extLst>
+              <a:ext uri="{FF2B5EF4-FFF2-40B4-BE49-F238E27FC236}">
+                <a16:creationId xmlns:a16="http://schemas.microsoft.com/office/drawing/2014/main" id="{934B21CB-28D6-EF42-A2CB-AA461B84C7EA}"/>
+              </a:ext>
+            </a:extLst>
+          </p:cNvPr>
+          <p:cNvSpPr txBox="1"/>
+          <p:nvPr/>
+        </p:nvSpPr>
+        <p:spPr>
+          <a:xfrm>
+            <a:off x="5127585" y="3437681"/>
+            <a:ext cx="1192192" cy="369332"/>
+          </a:xfrm>
+          <a:prstGeom prst="rect">
+            <a:avLst/>
+          </a:prstGeom>
+          <a:noFill/>
+        </p:spPr>
+        <p:txBody>
+          <a:bodyPr wrap="square" rtlCol="0">
+            <a:spAutoFit/>
+          </a:bodyPr>
+          <a:lstStyle/>
+          <a:p>
+            <a:r>
+              <a:rPr lang="en-US" dirty="0">
+                <a:solidFill>
+                  <a:srgbClr val="FF0000"/>
+                </a:solidFill>
+              </a:rPr>
+              <a:t>Listing</a:t>
+            </a:r>
+          </a:p>
+        </p:txBody>
+      </p:sp>
+      <p:sp>
+        <p:nvSpPr>
+          <p:cNvPr id="6" name="TextBox 5">
+            <a:extLst>
+              <a:ext uri="{FF2B5EF4-FFF2-40B4-BE49-F238E27FC236}">
+                <a16:creationId xmlns:a16="http://schemas.microsoft.com/office/drawing/2014/main" id="{2E1072A4-B5E8-7044-AD71-355CDCDF1ABB}"/>
+              </a:ext>
+            </a:extLst>
+          </p:cNvPr>
+          <p:cNvSpPr txBox="1"/>
+          <p:nvPr/>
+        </p:nvSpPr>
+        <p:spPr>
+          <a:xfrm>
+            <a:off x="10729732" y="3437681"/>
+            <a:ext cx="1134319" cy="646331"/>
+          </a:xfrm>
+          <a:prstGeom prst="rect">
+            <a:avLst/>
+          </a:prstGeom>
+          <a:noFill/>
+        </p:spPr>
+        <p:txBody>
+          <a:bodyPr wrap="square" rtlCol="0">
+            <a:spAutoFit/>
+          </a:bodyPr>
+          <a:lstStyle/>
+          <a:p>
+            <a:r>
+              <a:rPr lang="en-US" dirty="0">
+                <a:solidFill>
+                  <a:srgbClr val="FF0000"/>
+                </a:solidFill>
+              </a:rPr>
+              <a:t>Show Edit Destroy</a:t>
+            </a:r>
+          </a:p>
+        </p:txBody>
+      </p:sp>
+      <p:sp>
+        <p:nvSpPr>
+          <p:cNvPr id="9" name="TextBox 8">
+            <a:extLst>
+              <a:ext uri="{FF2B5EF4-FFF2-40B4-BE49-F238E27FC236}">
+                <a16:creationId xmlns:a16="http://schemas.microsoft.com/office/drawing/2014/main" id="{7AF4B50A-C3A4-6544-9D3C-45AB9214FA78}"/>
+              </a:ext>
+            </a:extLst>
+          </p:cNvPr>
+          <p:cNvSpPr txBox="1"/>
+          <p:nvPr/>
+        </p:nvSpPr>
+        <p:spPr>
+          <a:xfrm>
+            <a:off x="6841602" y="3807013"/>
+            <a:ext cx="1134319" cy="369332"/>
+          </a:xfrm>
+          <a:prstGeom prst="rect">
+            <a:avLst/>
+          </a:prstGeom>
+          <a:noFill/>
+        </p:spPr>
+        <p:txBody>
+          <a:bodyPr wrap="square" rtlCol="0">
+            <a:spAutoFit/>
+          </a:bodyPr>
+          <a:lstStyle/>
+          <a:p>
+            <a:r>
+              <a:rPr lang="en-US" dirty="0">
+                <a:solidFill>
+                  <a:srgbClr val="FF0000"/>
+                </a:solidFill>
+              </a:rPr>
+              <a:t>Picture</a:t>
+            </a:r>
+          </a:p>
+        </p:txBody>
+      </p:sp>
+      <p:sp>
+        <p:nvSpPr>
+          <p:cNvPr id="11" name="TextBox 10">
+            <a:extLst>
+              <a:ext uri="{FF2B5EF4-FFF2-40B4-BE49-F238E27FC236}">
+                <a16:creationId xmlns:a16="http://schemas.microsoft.com/office/drawing/2014/main" id="{7CF6A746-2F09-0644-A98C-3D21C9CD172E}"/>
+              </a:ext>
+            </a:extLst>
+          </p:cNvPr>
+          <p:cNvSpPr txBox="1"/>
+          <p:nvPr/>
+        </p:nvSpPr>
+        <p:spPr>
+          <a:xfrm>
+            <a:off x="10563799" y="1534175"/>
+            <a:ext cx="1297885" cy="369332"/>
+          </a:xfrm>
+          <a:prstGeom prst="rect">
+            <a:avLst/>
+          </a:prstGeom>
+          <a:noFill/>
+        </p:spPr>
+        <p:txBody>
+          <a:bodyPr wrap="square" rtlCol="0">
+            <a:spAutoFit/>
+          </a:bodyPr>
+          <a:lstStyle/>
+          <a:p>
+            <a:r>
+              <a:rPr lang="en-US" dirty="0">
+                <a:solidFill>
+                  <a:srgbClr val="FF0000"/>
+                </a:solidFill>
+              </a:rPr>
+              <a:t>User Details</a:t>
+            </a:r>
+          </a:p>
+        </p:txBody>
+      </p:sp>
+      <p:sp>
+        <p:nvSpPr>
+          <p:cNvPr id="13" name="TextBox 12">
+            <a:extLst>
+              <a:ext uri="{FF2B5EF4-FFF2-40B4-BE49-F238E27FC236}">
+                <a16:creationId xmlns:a16="http://schemas.microsoft.com/office/drawing/2014/main" id="{CEE9759A-571F-3A45-8424-C5B5F657291D}"/>
+              </a:ext>
+            </a:extLst>
+          </p:cNvPr>
+          <p:cNvSpPr txBox="1"/>
+          <p:nvPr/>
+        </p:nvSpPr>
+        <p:spPr>
+          <a:xfrm>
+            <a:off x="4768534" y="2396482"/>
+            <a:ext cx="1297885" cy="369332"/>
+          </a:xfrm>
+          <a:prstGeom prst="rect">
+            <a:avLst/>
+          </a:prstGeom>
+          <a:noFill/>
+        </p:spPr>
+        <p:txBody>
+          <a:bodyPr wrap="square" rtlCol="0">
+            <a:spAutoFit/>
+          </a:bodyPr>
+          <a:lstStyle/>
+          <a:p>
+            <a:r>
+              <a:rPr lang="en-US" dirty="0">
+                <a:solidFill>
+                  <a:srgbClr val="FF0000"/>
+                </a:solidFill>
+              </a:rPr>
+              <a:t>Navbar</a:t>
+            </a:r>
+          </a:p>
+        </p:txBody>
+      </p:sp>
     </p:spTree>
     <p:extLst>
       <p:ext uri="{BB962C8B-B14F-4D97-AF65-F5344CB8AC3E}">
